--- a/BeijingMeeting/fissure_sealant.pptx
+++ b/BeijingMeeting/fissure_sealant.pptx
@@ -7,9 +7,18 @@
   <p:sldIdLst>
     <p:sldId id="256" r:id="rId2"/>
     <p:sldId id="257" r:id="rId3"/>
-    <p:sldId id="258" r:id="rId4"/>
-    <p:sldId id="260" r:id="rId5"/>
-    <p:sldId id="259" r:id="rId6"/>
+    <p:sldId id="266" r:id="rId4"/>
+    <p:sldId id="267" r:id="rId5"/>
+    <p:sldId id="268" r:id="rId6"/>
+    <p:sldId id="269" r:id="rId7"/>
+    <p:sldId id="265" r:id="rId8"/>
+    <p:sldId id="258" r:id="rId9"/>
+    <p:sldId id="260" r:id="rId10"/>
+    <p:sldId id="259" r:id="rId11"/>
+    <p:sldId id="261" r:id="rId12"/>
+    <p:sldId id="262" r:id="rId13"/>
+    <p:sldId id="263" r:id="rId14"/>
+    <p:sldId id="264" r:id="rId15"/>
   </p:sldIdLst>
   <p:sldSz cx="9144000" cy="6858000" type="screen4x3"/>
   <p:notesSz cx="6858000" cy="9144000"/>
@@ -292,7 +301,7 @@
           <a:p>
             <a:fld id="{A6863095-EB4B-4572-A1BB-7FA41AAD1D05}" type="datetimeFigureOut">
               <a:rPr lang="en-US" smtClean="0"/>
-              <a:t>5/5/2014</a:t>
+              <a:t>5/9/2014</a:t>
             </a:fld>
             <a:endParaRPr lang="en-US"/>
           </a:p>
@@ -462,7 +471,7 @@
           <a:p>
             <a:fld id="{A6863095-EB4B-4572-A1BB-7FA41AAD1D05}" type="datetimeFigureOut">
               <a:rPr lang="en-US" smtClean="0"/>
-              <a:t>5/5/2014</a:t>
+              <a:t>5/9/2014</a:t>
             </a:fld>
             <a:endParaRPr lang="en-US"/>
           </a:p>
@@ -642,7 +651,7 @@
           <a:p>
             <a:fld id="{A6863095-EB4B-4572-A1BB-7FA41AAD1D05}" type="datetimeFigureOut">
               <a:rPr lang="en-US" smtClean="0"/>
-              <a:t>5/5/2014</a:t>
+              <a:t>5/9/2014</a:t>
             </a:fld>
             <a:endParaRPr lang="en-US"/>
           </a:p>
@@ -812,7 +821,7 @@
           <a:p>
             <a:fld id="{A6863095-EB4B-4572-A1BB-7FA41AAD1D05}" type="datetimeFigureOut">
               <a:rPr lang="en-US" smtClean="0"/>
-              <a:t>5/5/2014</a:t>
+              <a:t>5/9/2014</a:t>
             </a:fld>
             <a:endParaRPr lang="en-US"/>
           </a:p>
@@ -1058,7 +1067,7 @@
           <a:p>
             <a:fld id="{A6863095-EB4B-4572-A1BB-7FA41AAD1D05}" type="datetimeFigureOut">
               <a:rPr lang="en-US" smtClean="0"/>
-              <a:t>5/5/2014</a:t>
+              <a:t>5/9/2014</a:t>
             </a:fld>
             <a:endParaRPr lang="en-US"/>
           </a:p>
@@ -1346,7 +1355,7 @@
           <a:p>
             <a:fld id="{A6863095-EB4B-4572-A1BB-7FA41AAD1D05}" type="datetimeFigureOut">
               <a:rPr lang="en-US" smtClean="0"/>
-              <a:t>5/5/2014</a:t>
+              <a:t>5/9/2014</a:t>
             </a:fld>
             <a:endParaRPr lang="en-US"/>
           </a:p>
@@ -1768,7 +1777,7 @@
           <a:p>
             <a:fld id="{A6863095-EB4B-4572-A1BB-7FA41AAD1D05}" type="datetimeFigureOut">
               <a:rPr lang="en-US" smtClean="0"/>
-              <a:t>5/5/2014</a:t>
+              <a:t>5/9/2014</a:t>
             </a:fld>
             <a:endParaRPr lang="en-US"/>
           </a:p>
@@ -1886,7 +1895,7 @@
           <a:p>
             <a:fld id="{A6863095-EB4B-4572-A1BB-7FA41AAD1D05}" type="datetimeFigureOut">
               <a:rPr lang="en-US" smtClean="0"/>
-              <a:t>5/5/2014</a:t>
+              <a:t>5/9/2014</a:t>
             </a:fld>
             <a:endParaRPr lang="en-US"/>
           </a:p>
@@ -1981,7 +1990,7 @@
           <a:p>
             <a:fld id="{A6863095-EB4B-4572-A1BB-7FA41AAD1D05}" type="datetimeFigureOut">
               <a:rPr lang="en-US" smtClean="0"/>
-              <a:t>5/5/2014</a:t>
+              <a:t>5/9/2014</a:t>
             </a:fld>
             <a:endParaRPr lang="en-US"/>
           </a:p>
@@ -2258,7 +2267,7 @@
           <a:p>
             <a:fld id="{A6863095-EB4B-4572-A1BB-7FA41AAD1D05}" type="datetimeFigureOut">
               <a:rPr lang="en-US" smtClean="0"/>
-              <a:t>5/5/2014</a:t>
+              <a:t>5/9/2014</a:t>
             </a:fld>
             <a:endParaRPr lang="en-US"/>
           </a:p>
@@ -2511,7 +2520,7 @@
           <a:p>
             <a:fld id="{A6863095-EB4B-4572-A1BB-7FA41AAD1D05}" type="datetimeFigureOut">
               <a:rPr lang="en-US" smtClean="0"/>
-              <a:t>5/5/2014</a:t>
+              <a:t>5/9/2014</a:t>
             </a:fld>
             <a:endParaRPr lang="en-US"/>
           </a:p>
@@ -2724,7 +2733,7 @@
           <a:p>
             <a:fld id="{A6863095-EB4B-4572-A1BB-7FA41AAD1D05}" type="datetimeFigureOut">
               <a:rPr lang="en-US" smtClean="0"/>
-              <a:t>5/5/2014</a:t>
+              <a:t>5/9/2014</a:t>
             </a:fld>
             <a:endParaRPr lang="en-US"/>
           </a:p>
@@ -3116,7 +3125,15 @@
           <a:p>
             <a:r>
               <a:rPr lang="en-US" dirty="0" smtClean="0"/>
-              <a:t>Effectiveness of fissure sealants</a:t>
+              <a:t>Evaluation of effectiveness </a:t>
+            </a:r>
+            <a:r>
+              <a:rPr lang="en-US" dirty="0" smtClean="0"/>
+              <a:t>of fissure </a:t>
+            </a:r>
+            <a:r>
+              <a:rPr lang="en-US" dirty="0" smtClean="0"/>
+              <a:t>sealant</a:t>
             </a:r>
             <a:endParaRPr lang="en-US" dirty="0"/>
           </a:p>
@@ -3137,7 +3154,11 @@
           <a:bodyPr/>
           <a:lstStyle/>
           <a:p>
-            <a:endParaRPr lang="en-US"/>
+            <a:r>
+              <a:rPr lang="en-US" dirty="0" smtClean="0"/>
+              <a:t>Dental caries and periodontal diseases</a:t>
+            </a:r>
+            <a:endParaRPr lang="en-US" dirty="0"/>
           </a:p>
         </p:txBody>
       </p:sp>
@@ -3145,6 +3166,512 @@
     <p:extLst>
       <p:ext uri="{BB962C8B-B14F-4D97-AF65-F5344CB8AC3E}">
         <p14:creationId xmlns:p14="http://schemas.microsoft.com/office/powerpoint/2010/main" val="2518946372"/>
+      </p:ext>
+    </p:extLst>
+  </p:cSld>
+  <p:clrMapOvr>
+    <a:masterClrMapping/>
+  </p:clrMapOvr>
+</p:sld>
+</file>
+
+<file path=ppt/slides/slide10.xml><?xml version="1.0" encoding="utf-8"?>
+<p:sld xmlns:a="http://schemas.openxmlformats.org/drawingml/2006/main" xmlns:r="http://schemas.openxmlformats.org/officeDocument/2006/relationships" xmlns:p="http://schemas.openxmlformats.org/presentationml/2006/main">
+  <p:cSld>
+    <p:spTree>
+      <p:nvGrpSpPr>
+        <p:cNvPr id="1" name=""/>
+        <p:cNvGrpSpPr/>
+        <p:nvPr/>
+      </p:nvGrpSpPr>
+      <p:grpSpPr>
+        <a:xfrm>
+          <a:off x="0" y="0"/>
+          <a:ext cx="0" cy="0"/>
+          <a:chOff x="0" y="0"/>
+          <a:chExt cx="0" cy="0"/>
+        </a:xfrm>
+      </p:grpSpPr>
+      <p:sp>
+        <p:nvSpPr>
+          <p:cNvPr id="2" name="Title 1"/>
+          <p:cNvSpPr>
+            <a:spLocks noGrp="1"/>
+          </p:cNvSpPr>
+          <p:nvPr>
+            <p:ph type="title"/>
+          </p:nvPr>
+        </p:nvSpPr>
+        <p:spPr/>
+        <p:txBody>
+          <a:bodyPr>
+            <a:normAutofit fontScale="90000"/>
+          </a:bodyPr>
+          <a:lstStyle/>
+          <a:p>
+            <a:r>
+              <a:rPr lang="en-US" dirty="0" smtClean="0"/>
+              <a:t>Leveraging the advanced technology</a:t>
+            </a:r>
+            <a:endParaRPr lang="en-US" dirty="0"/>
+          </a:p>
+        </p:txBody>
+      </p:sp>
+      <p:sp>
+        <p:nvSpPr>
+          <p:cNvPr id="3" name="Content Placeholder 2"/>
+          <p:cNvSpPr>
+            <a:spLocks noGrp="1"/>
+          </p:cNvSpPr>
+          <p:nvPr>
+            <p:ph idx="1"/>
+          </p:nvPr>
+        </p:nvSpPr>
+        <p:spPr/>
+        <p:txBody>
+          <a:bodyPr/>
+          <a:lstStyle/>
+          <a:p>
+            <a:endParaRPr lang="en-US" dirty="0"/>
+          </a:p>
+        </p:txBody>
+      </p:sp>
+    </p:spTree>
+    <p:extLst>
+      <p:ext uri="{BB962C8B-B14F-4D97-AF65-F5344CB8AC3E}">
+        <p14:creationId xmlns:p14="http://schemas.microsoft.com/office/powerpoint/2010/main" val="3455166353"/>
+      </p:ext>
+    </p:extLst>
+  </p:cSld>
+  <p:clrMapOvr>
+    <a:masterClrMapping/>
+  </p:clrMapOvr>
+</p:sld>
+</file>
+
+<file path=ppt/slides/slide11.xml><?xml version="1.0" encoding="utf-8"?>
+<p:sld xmlns:a="http://schemas.openxmlformats.org/drawingml/2006/main" xmlns:r="http://schemas.openxmlformats.org/officeDocument/2006/relationships" xmlns:p="http://schemas.openxmlformats.org/presentationml/2006/main">
+  <p:cSld>
+    <p:spTree>
+      <p:nvGrpSpPr>
+        <p:cNvPr id="1" name=""/>
+        <p:cNvGrpSpPr/>
+        <p:nvPr/>
+      </p:nvGrpSpPr>
+      <p:grpSpPr>
+        <a:xfrm>
+          <a:off x="0" y="0"/>
+          <a:ext cx="0" cy="0"/>
+          <a:chOff x="0" y="0"/>
+          <a:chExt cx="0" cy="0"/>
+        </a:xfrm>
+      </p:grpSpPr>
+      <p:sp>
+        <p:nvSpPr>
+          <p:cNvPr id="2" name="Title 1"/>
+          <p:cNvSpPr>
+            <a:spLocks noGrp="1"/>
+          </p:cNvSpPr>
+          <p:nvPr>
+            <p:ph type="title"/>
+          </p:nvPr>
+        </p:nvSpPr>
+        <p:spPr/>
+        <p:txBody>
+          <a:bodyPr/>
+          <a:lstStyle/>
+          <a:p>
+            <a:endParaRPr lang="en-US"/>
+          </a:p>
+        </p:txBody>
+      </p:sp>
+      <p:sp>
+        <p:nvSpPr>
+          <p:cNvPr id="3" name="Content Placeholder 2"/>
+          <p:cNvSpPr>
+            <a:spLocks noGrp="1"/>
+          </p:cNvSpPr>
+          <p:nvPr>
+            <p:ph idx="1"/>
+          </p:nvPr>
+        </p:nvSpPr>
+        <p:spPr/>
+        <p:txBody>
+          <a:bodyPr/>
+          <a:lstStyle/>
+          <a:p>
+            <a:r>
+              <a:rPr lang="en-US" dirty="0" smtClean="0"/>
+              <a:t>Evaluating the longevity of the sealants</a:t>
+            </a:r>
+          </a:p>
+          <a:p>
+            <a:r>
+              <a:rPr lang="en-US" dirty="0" smtClean="0"/>
+              <a:t>How to follow up</a:t>
+            </a:r>
+          </a:p>
+          <a:p>
+            <a:r>
+              <a:rPr lang="en-US" dirty="0" smtClean="0"/>
+              <a:t>Frequency of the sealant</a:t>
+            </a:r>
+          </a:p>
+          <a:p>
+            <a:r>
+              <a:rPr lang="en-US" dirty="0" smtClean="0"/>
+              <a:t>Background of the health care giver</a:t>
+            </a:r>
+          </a:p>
+          <a:p>
+            <a:pPr lvl="1"/>
+            <a:r>
+              <a:rPr lang="en-US" dirty="0" smtClean="0"/>
+              <a:t>Dentist</a:t>
+            </a:r>
+          </a:p>
+          <a:p>
+            <a:pPr lvl="1"/>
+            <a:r>
+              <a:rPr lang="en-US" dirty="0" smtClean="0"/>
+              <a:t>Auxiliary personnel </a:t>
+            </a:r>
+          </a:p>
+          <a:p>
+            <a:r>
+              <a:rPr lang="en-US" dirty="0" smtClean="0"/>
+              <a:t>Age group children </a:t>
+            </a:r>
+          </a:p>
+          <a:p>
+            <a:pPr lvl="1"/>
+            <a:r>
+              <a:rPr lang="en-US" dirty="0" smtClean="0"/>
+              <a:t>Follow up</a:t>
+            </a:r>
+            <a:endParaRPr lang="en-US" dirty="0"/>
+          </a:p>
+        </p:txBody>
+      </p:sp>
+    </p:spTree>
+    <p:extLst>
+      <p:ext uri="{BB962C8B-B14F-4D97-AF65-F5344CB8AC3E}">
+        <p14:creationId xmlns:p14="http://schemas.microsoft.com/office/powerpoint/2010/main" val="3235351966"/>
+      </p:ext>
+    </p:extLst>
+  </p:cSld>
+  <p:clrMapOvr>
+    <a:masterClrMapping/>
+  </p:clrMapOvr>
+</p:sld>
+</file>
+
+<file path=ppt/slides/slide12.xml><?xml version="1.0" encoding="utf-8"?>
+<p:sld xmlns:a="http://schemas.openxmlformats.org/drawingml/2006/main" xmlns:r="http://schemas.openxmlformats.org/officeDocument/2006/relationships" xmlns:p="http://schemas.openxmlformats.org/presentationml/2006/main">
+  <p:cSld>
+    <p:spTree>
+      <p:nvGrpSpPr>
+        <p:cNvPr id="1" name=""/>
+        <p:cNvGrpSpPr/>
+        <p:nvPr/>
+      </p:nvGrpSpPr>
+      <p:grpSpPr>
+        <a:xfrm>
+          <a:off x="0" y="0"/>
+          <a:ext cx="0" cy="0"/>
+          <a:chOff x="0" y="0"/>
+          <a:chExt cx="0" cy="0"/>
+        </a:xfrm>
+      </p:grpSpPr>
+      <p:sp>
+        <p:nvSpPr>
+          <p:cNvPr id="2" name="Title 1"/>
+          <p:cNvSpPr>
+            <a:spLocks noGrp="1"/>
+          </p:cNvSpPr>
+          <p:nvPr>
+            <p:ph type="title"/>
+          </p:nvPr>
+        </p:nvSpPr>
+        <p:spPr/>
+        <p:txBody>
+          <a:bodyPr/>
+          <a:lstStyle/>
+          <a:p>
+            <a:endParaRPr lang="en-US"/>
+          </a:p>
+        </p:txBody>
+      </p:sp>
+      <p:sp>
+        <p:nvSpPr>
+          <p:cNvPr id="3" name="Content Placeholder 2"/>
+          <p:cNvSpPr>
+            <a:spLocks noGrp="1"/>
+          </p:cNvSpPr>
+          <p:nvPr>
+            <p:ph idx="1"/>
+          </p:nvPr>
+        </p:nvSpPr>
+        <p:spPr/>
+        <p:txBody>
+          <a:bodyPr/>
+          <a:lstStyle/>
+          <a:p>
+            <a:r>
+              <a:rPr lang="en-US" dirty="0" smtClean="0"/>
+              <a:t>Newly designed questionnaires</a:t>
+            </a:r>
+          </a:p>
+          <a:p>
+            <a:r>
+              <a:rPr lang="en-US" dirty="0" smtClean="0"/>
+              <a:t>Materials used in fissures sealant</a:t>
+            </a:r>
+          </a:p>
+          <a:p>
+            <a:endParaRPr lang="en-US" dirty="0"/>
+          </a:p>
+        </p:txBody>
+      </p:sp>
+    </p:spTree>
+    <p:extLst>
+      <p:ext uri="{BB962C8B-B14F-4D97-AF65-F5344CB8AC3E}">
+        <p14:creationId xmlns:p14="http://schemas.microsoft.com/office/powerpoint/2010/main" val="2799306400"/>
+      </p:ext>
+    </p:extLst>
+  </p:cSld>
+  <p:clrMapOvr>
+    <a:masterClrMapping/>
+  </p:clrMapOvr>
+</p:sld>
+</file>
+
+<file path=ppt/slides/slide13.xml><?xml version="1.0" encoding="utf-8"?>
+<p:sld xmlns:a="http://schemas.openxmlformats.org/drawingml/2006/main" xmlns:r="http://schemas.openxmlformats.org/officeDocument/2006/relationships" xmlns:p="http://schemas.openxmlformats.org/presentationml/2006/main">
+  <p:cSld>
+    <p:spTree>
+      <p:nvGrpSpPr>
+        <p:cNvPr id="1" name=""/>
+        <p:cNvGrpSpPr/>
+        <p:nvPr/>
+      </p:nvGrpSpPr>
+      <p:grpSpPr>
+        <a:xfrm>
+          <a:off x="0" y="0"/>
+          <a:ext cx="0" cy="0"/>
+          <a:chOff x="0" y="0"/>
+          <a:chExt cx="0" cy="0"/>
+        </a:xfrm>
+      </p:grpSpPr>
+      <p:sp>
+        <p:nvSpPr>
+          <p:cNvPr id="2" name="Title 1"/>
+          <p:cNvSpPr>
+            <a:spLocks noGrp="1"/>
+          </p:cNvSpPr>
+          <p:nvPr>
+            <p:ph type="title"/>
+          </p:nvPr>
+        </p:nvSpPr>
+        <p:spPr/>
+        <p:txBody>
+          <a:bodyPr/>
+          <a:lstStyle/>
+          <a:p>
+            <a:r>
+              <a:rPr lang="en-US" dirty="0" smtClean="0"/>
+              <a:t>Item to evaluate</a:t>
+            </a:r>
+            <a:endParaRPr lang="en-US" dirty="0"/>
+          </a:p>
+        </p:txBody>
+      </p:sp>
+      <p:sp>
+        <p:nvSpPr>
+          <p:cNvPr id="3" name="Content Placeholder 2"/>
+          <p:cNvSpPr>
+            <a:spLocks noGrp="1"/>
+          </p:cNvSpPr>
+          <p:nvPr>
+            <p:ph idx="1"/>
+          </p:nvPr>
+        </p:nvSpPr>
+        <p:spPr/>
+        <p:txBody>
+          <a:bodyPr>
+            <a:normAutofit fontScale="77500" lnSpcReduction="20000"/>
+          </a:bodyPr>
+          <a:lstStyle/>
+          <a:p>
+            <a:r>
+              <a:rPr lang="en-US" dirty="0" smtClean="0"/>
+              <a:t>Successful rate of sealant</a:t>
+            </a:r>
+          </a:p>
+          <a:p>
+            <a:pPr lvl="1"/>
+            <a:r>
+              <a:rPr lang="en-US" dirty="0" smtClean="0"/>
+              <a:t>Follow up system</a:t>
+            </a:r>
+          </a:p>
+          <a:p>
+            <a:pPr lvl="1"/>
+            <a:r>
+              <a:rPr lang="en-US" dirty="0" smtClean="0"/>
+              <a:t>Longevity study</a:t>
+            </a:r>
+          </a:p>
+          <a:p>
+            <a:pPr lvl="1"/>
+            <a:r>
+              <a:rPr lang="en-US" dirty="0" smtClean="0"/>
+              <a:t>Materials comparison</a:t>
+            </a:r>
+          </a:p>
+          <a:p>
+            <a:pPr lvl="1"/>
+            <a:r>
+              <a:rPr lang="en-US" dirty="0" smtClean="0"/>
+              <a:t>Etc.</a:t>
+            </a:r>
+          </a:p>
+          <a:p>
+            <a:r>
+              <a:rPr lang="en-US" dirty="0" smtClean="0"/>
+              <a:t>Caries trend</a:t>
+            </a:r>
+          </a:p>
+          <a:p>
+            <a:pPr lvl="1"/>
+            <a:r>
+              <a:rPr lang="en-US" dirty="0" smtClean="0"/>
+              <a:t>Follow up</a:t>
+            </a:r>
+          </a:p>
+          <a:p>
+            <a:pPr lvl="1"/>
+            <a:r>
+              <a:rPr lang="en-US" dirty="0" smtClean="0"/>
+              <a:t>Control group??</a:t>
+            </a:r>
+          </a:p>
+          <a:p>
+            <a:r>
+              <a:rPr lang="en-US" dirty="0" smtClean="0"/>
+              <a:t>Medical economical evaluation</a:t>
+            </a:r>
+          </a:p>
+          <a:p>
+            <a:pPr lvl="1"/>
+            <a:r>
+              <a:rPr lang="en-US" dirty="0" smtClean="0"/>
+              <a:t>Medical cost evaluation</a:t>
+            </a:r>
+          </a:p>
+          <a:p>
+            <a:pPr lvl="1"/>
+            <a:r>
+              <a:rPr lang="en-US" dirty="0" smtClean="0"/>
+              <a:t>Service cost evaluation</a:t>
+            </a:r>
+          </a:p>
+          <a:p>
+            <a:pPr lvl="1"/>
+            <a:r>
+              <a:rPr lang="en-US" dirty="0" smtClean="0"/>
+              <a:t>Etc.</a:t>
+            </a:r>
+            <a:endParaRPr lang="en-US" dirty="0"/>
+          </a:p>
+        </p:txBody>
+      </p:sp>
+    </p:spTree>
+    <p:extLst>
+      <p:ext uri="{BB962C8B-B14F-4D97-AF65-F5344CB8AC3E}">
+        <p14:creationId xmlns:p14="http://schemas.microsoft.com/office/powerpoint/2010/main" val="1321054005"/>
+      </p:ext>
+    </p:extLst>
+  </p:cSld>
+  <p:clrMapOvr>
+    <a:masterClrMapping/>
+  </p:clrMapOvr>
+</p:sld>
+</file>
+
+<file path=ppt/slides/slide14.xml><?xml version="1.0" encoding="utf-8"?>
+<p:sld xmlns:a="http://schemas.openxmlformats.org/drawingml/2006/main" xmlns:r="http://schemas.openxmlformats.org/officeDocument/2006/relationships" xmlns:p="http://schemas.openxmlformats.org/presentationml/2006/main">
+  <p:cSld>
+    <p:spTree>
+      <p:nvGrpSpPr>
+        <p:cNvPr id="1" name=""/>
+        <p:cNvGrpSpPr/>
+        <p:nvPr/>
+      </p:nvGrpSpPr>
+      <p:grpSpPr>
+        <a:xfrm>
+          <a:off x="0" y="0"/>
+          <a:ext cx="0" cy="0"/>
+          <a:chOff x="0" y="0"/>
+          <a:chExt cx="0" cy="0"/>
+        </a:xfrm>
+      </p:grpSpPr>
+      <p:sp>
+        <p:nvSpPr>
+          <p:cNvPr id="2" name="Title 1"/>
+          <p:cNvSpPr>
+            <a:spLocks noGrp="1"/>
+          </p:cNvSpPr>
+          <p:nvPr>
+            <p:ph type="title"/>
+          </p:nvPr>
+        </p:nvSpPr>
+        <p:spPr/>
+        <p:txBody>
+          <a:bodyPr/>
+          <a:lstStyle/>
+          <a:p>
+            <a:r>
+              <a:rPr lang="en-US" dirty="0" smtClean="0"/>
+              <a:t>Sealant material evaluation</a:t>
+            </a:r>
+            <a:endParaRPr lang="en-US" dirty="0"/>
+          </a:p>
+        </p:txBody>
+      </p:sp>
+      <p:sp>
+        <p:nvSpPr>
+          <p:cNvPr id="3" name="Content Placeholder 2"/>
+          <p:cNvSpPr>
+            <a:spLocks noGrp="1"/>
+          </p:cNvSpPr>
+          <p:nvPr>
+            <p:ph idx="1"/>
+          </p:nvPr>
+        </p:nvSpPr>
+        <p:spPr/>
+        <p:txBody>
+          <a:bodyPr/>
+          <a:lstStyle/>
+          <a:p>
+            <a:r>
+              <a:rPr lang="en-US" dirty="0" smtClean="0"/>
+              <a:t>Historical data on materials</a:t>
+            </a:r>
+          </a:p>
+          <a:p>
+            <a:r>
+              <a:rPr lang="en-US" dirty="0" smtClean="0"/>
+              <a:t>Patient registration</a:t>
+            </a:r>
+            <a:endParaRPr lang="en-US" dirty="0"/>
+          </a:p>
+        </p:txBody>
+      </p:sp>
+    </p:spTree>
+    <p:extLst>
+      <p:ext uri="{BB962C8B-B14F-4D97-AF65-F5344CB8AC3E}">
+        <p14:creationId xmlns:p14="http://schemas.microsoft.com/office/powerpoint/2010/main" val="3560917672"/>
       </p:ext>
     </p:extLst>
   </p:cSld>
@@ -3183,16 +3710,14 @@
         </p:nvSpPr>
         <p:spPr/>
         <p:txBody>
-          <a:bodyPr/>
-          <a:lstStyle/>
-          <a:p>
-            <a:r>
-              <a:rPr lang="en-US" dirty="0" err="1" smtClean="0"/>
-              <a:t>Peng’s</a:t>
-            </a:r>
-            <a:r>
-              <a:rPr lang="en-US" dirty="0" smtClean="0"/>
-              <a:t> dissertation</a:t>
+          <a:bodyPr>
+            <a:normAutofit fontScale="90000"/>
+          </a:bodyPr>
+          <a:lstStyle/>
+          <a:p>
+            <a:r>
+              <a:rPr lang="en-US" dirty="0" smtClean="0"/>
+              <a:t>Major contribution from Dr. Wang’s</a:t>
             </a:r>
             <a:endParaRPr lang="en-US" dirty="0"/>
           </a:p>
@@ -3210,24 +3735,98 @@
         </p:nvSpPr>
         <p:spPr/>
         <p:txBody>
-          <a:bodyPr/>
-          <a:lstStyle/>
-          <a:p>
-            <a:r>
-              <a:rPr lang="en-US" dirty="0" smtClean="0"/>
-              <a:t>Satisfactory study</a:t>
-            </a:r>
-          </a:p>
-          <a:p>
-            <a:r>
-              <a:rPr lang="en-US" dirty="0" smtClean="0"/>
-              <a:t>Clinical evaluation of effectiveness</a:t>
-            </a:r>
-          </a:p>
-          <a:p>
-            <a:r>
-              <a:rPr lang="en-US" dirty="0" smtClean="0"/>
-              <a:t>Public standard protocol/practice</a:t>
+          <a:bodyPr>
+            <a:normAutofit fontScale="70000" lnSpcReduction="20000"/>
+          </a:bodyPr>
+          <a:lstStyle/>
+          <a:p>
+            <a:r>
+              <a:rPr lang="en-US" dirty="0" smtClean="0"/>
+              <a:t>Evaluation of the implementation of fissures sealant project (2005 -2012)</a:t>
+            </a:r>
+            <a:endParaRPr lang="en-US" dirty="0" smtClean="0"/>
+          </a:p>
+          <a:p>
+            <a:r>
+              <a:rPr lang="en-US" dirty="0" smtClean="0"/>
+              <a:t>Effectiveness on prevention of dental caries</a:t>
+            </a:r>
+          </a:p>
+          <a:p>
+            <a:pPr lvl="1"/>
+            <a:r>
+              <a:rPr lang="en-US" dirty="0" smtClean="0"/>
+              <a:t>Oral health examination</a:t>
+            </a:r>
+          </a:p>
+          <a:p>
+            <a:pPr lvl="1"/>
+            <a:r>
+              <a:rPr lang="en-US" dirty="0" smtClean="0"/>
+              <a:t>Survey questionnaires</a:t>
+            </a:r>
+          </a:p>
+          <a:p>
+            <a:r>
+              <a:rPr lang="en-US" dirty="0" smtClean="0"/>
+              <a:t>Satisfactory survey/study</a:t>
+            </a:r>
+          </a:p>
+          <a:p>
+            <a:pPr lvl="1"/>
+            <a:r>
+              <a:rPr lang="en-US" dirty="0" smtClean="0"/>
+              <a:t>Correlation with education background</a:t>
+            </a:r>
+          </a:p>
+          <a:p>
+            <a:pPr lvl="1"/>
+            <a:r>
+              <a:rPr lang="en-US" dirty="0" smtClean="0"/>
+              <a:t>Family financial status</a:t>
+            </a:r>
+          </a:p>
+          <a:p>
+            <a:pPr lvl="1"/>
+            <a:r>
+              <a:rPr lang="en-US" dirty="0" smtClean="0"/>
+              <a:t>Satisfactory on medical system/providers</a:t>
+            </a:r>
+            <a:endParaRPr lang="en-US" dirty="0" smtClean="0"/>
+          </a:p>
+          <a:p>
+            <a:r>
+              <a:rPr lang="en-US" dirty="0" smtClean="0"/>
+              <a:t>Public </a:t>
+            </a:r>
+            <a:r>
+              <a:rPr lang="en-US" dirty="0" smtClean="0"/>
+              <a:t>standard </a:t>
+            </a:r>
+            <a:r>
+              <a:rPr lang="en-US" dirty="0" smtClean="0"/>
+              <a:t>protocol/practice</a:t>
+            </a:r>
+          </a:p>
+          <a:p>
+            <a:pPr lvl="1"/>
+            <a:r>
+              <a:rPr lang="en-US" dirty="0" smtClean="0"/>
+              <a:t>Personnel training</a:t>
+            </a:r>
+          </a:p>
+          <a:p>
+            <a:pPr lvl="1"/>
+            <a:r>
+              <a:rPr lang="en-US" dirty="0" smtClean="0"/>
+              <a:t>Data collection and storage</a:t>
+            </a:r>
+          </a:p>
+          <a:p>
+            <a:pPr lvl="1"/>
+            <a:r>
+              <a:rPr lang="en-US" dirty="0" smtClean="0"/>
+              <a:t>Administration and management </a:t>
             </a:r>
             <a:endParaRPr lang="en-US" dirty="0"/>
           </a:p>
@@ -3275,88 +3874,121 @@
         </p:nvSpPr>
         <p:spPr/>
         <p:txBody>
-          <a:bodyPr/>
-          <a:lstStyle/>
-          <a:p>
-            <a:r>
-              <a:rPr lang="en-US" dirty="0" smtClean="0"/>
-              <a:t>What more could be done</a:t>
-            </a:r>
+          <a:bodyPr>
+            <a:normAutofit fontScale="90000"/>
+          </a:bodyPr>
+          <a:lstStyle/>
+          <a:p>
+            <a:r>
+              <a:rPr lang="en-US" dirty="0" smtClean="0"/>
+              <a:t>Early prevention and treatment</a:t>
+            </a:r>
+            <a:br>
+              <a:rPr lang="en-US" dirty="0" smtClean="0"/>
+            </a:br>
+            <a:r>
+              <a:rPr lang="en-US" dirty="0" smtClean="0"/>
+              <a:t>--</a:t>
+            </a:r>
+            <a:r>
+              <a:rPr lang="en-US" sz="3600" dirty="0" smtClean="0"/>
+              <a:t>dental caries &amp; periodontal disease</a:t>
+            </a:r>
+            <a:endParaRPr lang="en-US" sz="3600" dirty="0"/>
+          </a:p>
+        </p:txBody>
+      </p:sp>
+      <p:sp>
+        <p:nvSpPr>
+          <p:cNvPr id="3" name="Content Placeholder 2"/>
+          <p:cNvSpPr>
+            <a:spLocks noGrp="1"/>
+          </p:cNvSpPr>
+          <p:nvPr>
+            <p:ph idx="1"/>
+          </p:nvPr>
+        </p:nvSpPr>
+        <p:spPr/>
+        <p:txBody>
+          <a:bodyPr>
+            <a:normAutofit fontScale="85000" lnSpcReduction="20000"/>
+          </a:bodyPr>
+          <a:lstStyle/>
+          <a:p>
+            <a:r>
+              <a:rPr lang="en-US" dirty="0" smtClean="0"/>
+              <a:t>In-depth evaluation of the fissure sealant project</a:t>
+            </a:r>
+          </a:p>
+          <a:p>
+            <a:r>
+              <a:rPr lang="en-US" dirty="0" smtClean="0"/>
+              <a:t>Establishing the prevention protocol of major dental diseases</a:t>
+            </a:r>
+          </a:p>
+          <a:p>
+            <a:pPr lvl="1"/>
+            <a:r>
+              <a:rPr lang="en-US" dirty="0" smtClean="0"/>
+              <a:t>Dental caries</a:t>
+            </a:r>
+          </a:p>
+          <a:p>
+            <a:pPr lvl="1"/>
+            <a:r>
+              <a:rPr lang="en-US" dirty="0" smtClean="0"/>
+              <a:t>Children periodontal diseases</a:t>
+            </a:r>
+          </a:p>
+          <a:p>
+            <a:r>
+              <a:rPr lang="en-US" dirty="0" smtClean="0"/>
+              <a:t>Establishing the multi-function system for</a:t>
+            </a:r>
+          </a:p>
+          <a:p>
+            <a:pPr lvl="1"/>
+            <a:r>
+              <a:rPr lang="en-US" dirty="0" smtClean="0"/>
+              <a:t>Medical service training</a:t>
+            </a:r>
+          </a:p>
+          <a:p>
+            <a:pPr lvl="1"/>
+            <a:r>
+              <a:rPr lang="en-US" dirty="0" smtClean="0"/>
+              <a:t>Monitory and screening </a:t>
+            </a:r>
+          </a:p>
+          <a:p>
+            <a:pPr lvl="1"/>
+            <a:r>
+              <a:rPr lang="en-US" dirty="0" smtClean="0"/>
+              <a:t>Evaluation of medical service</a:t>
+            </a:r>
+          </a:p>
+          <a:p>
+            <a:pPr lvl="1"/>
+            <a:r>
+              <a:rPr lang="en-US" dirty="0" smtClean="0"/>
+              <a:t>Etc.</a:t>
+            </a:r>
+          </a:p>
+          <a:p>
+            <a:r>
+              <a:rPr lang="en-US" dirty="0" smtClean="0"/>
+              <a:t>Health economy study</a:t>
+            </a:r>
+          </a:p>
+          <a:p>
             <a:endParaRPr lang="en-US" dirty="0"/>
-          </a:p>
-        </p:txBody>
-      </p:sp>
-      <p:sp>
-        <p:nvSpPr>
-          <p:cNvPr id="3" name="Content Placeholder 2"/>
-          <p:cNvSpPr>
-            <a:spLocks noGrp="1"/>
-          </p:cNvSpPr>
-          <p:nvPr>
-            <p:ph idx="1"/>
-          </p:nvPr>
-        </p:nvSpPr>
-        <p:spPr/>
-        <p:txBody>
-          <a:bodyPr/>
-          <a:lstStyle/>
-          <a:p>
-            <a:r>
-              <a:rPr lang="en-US" dirty="0" smtClean="0"/>
-              <a:t>Increase the health service value</a:t>
-            </a:r>
-          </a:p>
-          <a:p>
-            <a:r>
-              <a:rPr lang="en-US" dirty="0" smtClean="0"/>
-              <a:t>Educating the patients</a:t>
-            </a:r>
-          </a:p>
-          <a:p>
-            <a:r>
-              <a:rPr lang="en-US" dirty="0" smtClean="0"/>
-              <a:t>Value in public heath</a:t>
-            </a:r>
-          </a:p>
-          <a:p>
-            <a:r>
-              <a:rPr lang="en-US" dirty="0" smtClean="0"/>
-              <a:t>Preventive dentistry</a:t>
-            </a:r>
-          </a:p>
-          <a:p>
-            <a:r>
-              <a:rPr lang="en-US" dirty="0" smtClean="0"/>
-              <a:t>Mouse microbial profiling</a:t>
-            </a:r>
-          </a:p>
-          <a:p>
-            <a:r>
-              <a:rPr lang="en-US" dirty="0" smtClean="0"/>
-              <a:t>Health economy study</a:t>
-            </a:r>
-          </a:p>
-          <a:p>
-            <a:r>
-              <a:rPr lang="en-US" dirty="0"/>
-              <a:t>plaque index</a:t>
-            </a:r>
-            <a:r>
-              <a:rPr lang="zh-CN" altLang="en-US" dirty="0"/>
-              <a:t>，</a:t>
-            </a:r>
-            <a:r>
-              <a:rPr lang="en-US" dirty="0"/>
-              <a:t>PLI</a:t>
-            </a:r>
-            <a:endParaRPr lang="en-US" dirty="0" smtClean="0"/>
           </a:p>
         </p:txBody>
       </p:sp>
     </p:spTree>
     <p:extLst>
       <p:ext uri="{BB962C8B-B14F-4D97-AF65-F5344CB8AC3E}">
-        <p14:creationId xmlns:p14="http://schemas.microsoft.com/office/powerpoint/2010/main" val="2456971648"/>
+        <p14:creationId xmlns:p14="http://schemas.microsoft.com/office/powerpoint/2010/main" val="3219038073"/>
       </p:ext>
     </p:extLst>
   </p:cSld>
@@ -3400,7 +4032,7 @@
           <a:p>
             <a:r>
               <a:rPr lang="en-US" dirty="0" smtClean="0"/>
-              <a:t>Yesterday, now, and future</a:t>
+              <a:t>Project progress milestones</a:t>
             </a:r>
             <a:endParaRPr lang="en-US" dirty="0"/>
           </a:p>
@@ -3418,24 +4050,107 @@
         </p:nvSpPr>
         <p:spPr/>
         <p:txBody>
-          <a:bodyPr/>
-          <a:lstStyle/>
-          <a:p>
-            <a:r>
-              <a:rPr lang="en-US" dirty="0" smtClean="0"/>
-              <a:t>Effectiveness </a:t>
-            </a:r>
-          </a:p>
-          <a:p>
-            <a:r>
-              <a:rPr lang="en-US" dirty="0" smtClean="0"/>
-              <a:t>Enhancing retention</a:t>
-            </a:r>
-          </a:p>
-          <a:p>
-            <a:r>
-              <a:rPr lang="en-US" dirty="0" smtClean="0"/>
-              <a:t>Longevity </a:t>
+          <a:bodyPr>
+            <a:normAutofit fontScale="85000" lnSpcReduction="10000"/>
+          </a:bodyPr>
+          <a:lstStyle/>
+          <a:p>
+            <a:r>
+              <a:rPr lang="en-US" dirty="0" smtClean="0"/>
+              <a:t>One year review (</a:t>
+            </a:r>
+            <a:r>
+              <a:rPr lang="en-US" dirty="0"/>
+              <a:t>May, 2015)</a:t>
+            </a:r>
+          </a:p>
+          <a:p>
+            <a:pPr lvl="1"/>
+            <a:r>
+              <a:rPr lang="en-US" dirty="0" smtClean="0"/>
+              <a:t>Children dental health database </a:t>
+            </a:r>
+          </a:p>
+          <a:p>
+            <a:pPr lvl="1"/>
+            <a:r>
+              <a:rPr lang="en-US" b="1" dirty="0" smtClean="0"/>
+              <a:t>One</a:t>
+            </a:r>
+            <a:r>
+              <a:rPr lang="en-US" dirty="0" smtClean="0"/>
+              <a:t> paper expected</a:t>
+            </a:r>
+          </a:p>
+          <a:p>
+            <a:r>
+              <a:rPr lang="en-US" dirty="0" smtClean="0"/>
+              <a:t>Mid-term review </a:t>
+            </a:r>
+            <a:r>
+              <a:rPr lang="en-US" dirty="0"/>
+              <a:t>(May, 2016)</a:t>
+            </a:r>
+          </a:p>
+          <a:p>
+            <a:pPr lvl="1"/>
+            <a:r>
+              <a:rPr lang="en-US" dirty="0" smtClean="0"/>
+              <a:t>Sealant materials effectiveness study </a:t>
+            </a:r>
+          </a:p>
+          <a:p>
+            <a:pPr lvl="1"/>
+            <a:r>
+              <a:rPr lang="en-US" b="1" dirty="0" smtClean="0"/>
+              <a:t>Two</a:t>
+            </a:r>
+            <a:r>
+              <a:rPr lang="en-US" dirty="0" smtClean="0"/>
+              <a:t> papers expected</a:t>
+            </a:r>
+          </a:p>
+          <a:p>
+            <a:r>
+              <a:rPr lang="en-US" dirty="0" smtClean="0"/>
+              <a:t>End of project review (April</a:t>
+            </a:r>
+            <a:r>
+              <a:rPr lang="en-US" dirty="0"/>
+              <a:t>, 2017)</a:t>
+            </a:r>
+          </a:p>
+          <a:p>
+            <a:pPr lvl="1"/>
+            <a:r>
+              <a:rPr lang="en-US" dirty="0" smtClean="0"/>
+              <a:t>Accomplishing fissures sealant for 10k school age children</a:t>
+            </a:r>
+            <a:r>
+              <a:rPr lang="en-US" dirty="0"/>
+              <a:t> </a:t>
+            </a:r>
+            <a:r>
+              <a:rPr lang="en-US" dirty="0" smtClean="0"/>
+              <a:t>Implementation protocol for fissures sealant (Beijing)</a:t>
+            </a:r>
+          </a:p>
+          <a:p>
+            <a:pPr lvl="1"/>
+            <a:r>
+              <a:rPr lang="en-US" dirty="0" smtClean="0"/>
+              <a:t>Standard for prevention of major dental diseases </a:t>
+            </a:r>
+          </a:p>
+          <a:p>
+            <a:pPr lvl="1"/>
+            <a:r>
+              <a:rPr lang="en-US" b="1" dirty="0" smtClean="0"/>
+              <a:t>Four</a:t>
+            </a:r>
+            <a:r>
+              <a:rPr lang="en-US" dirty="0" smtClean="0"/>
+              <a:t> papers (SCI) expected</a:t>
             </a:r>
             <a:endParaRPr lang="en-US" dirty="0"/>
           </a:p>
@@ -3444,7 +4159,7 @@
     </p:spTree>
     <p:extLst>
       <p:ext uri="{BB962C8B-B14F-4D97-AF65-F5344CB8AC3E}">
-        <p14:creationId xmlns:p14="http://schemas.microsoft.com/office/powerpoint/2010/main" val="1872875181"/>
+        <p14:creationId xmlns:p14="http://schemas.microsoft.com/office/powerpoint/2010/main" val="3728654603"/>
       </p:ext>
     </p:extLst>
   </p:cSld>
@@ -3483,14 +4198,12 @@
         </p:nvSpPr>
         <p:spPr/>
         <p:txBody>
-          <a:bodyPr>
-            <a:normAutofit fontScale="90000"/>
-          </a:bodyPr>
-          <a:lstStyle/>
-          <a:p>
-            <a:r>
-              <a:rPr lang="en-US" dirty="0" smtClean="0"/>
-              <a:t>Leveraging the advanced technology</a:t>
+          <a:bodyPr/>
+          <a:lstStyle/>
+          <a:p>
+            <a:r>
+              <a:rPr lang="en-US" dirty="0" smtClean="0"/>
+              <a:t>Research and technical challenges</a:t>
             </a:r>
             <a:endParaRPr lang="en-US" dirty="0"/>
           </a:p>
@@ -3511,6 +4224,51 @@
           <a:bodyPr/>
           <a:lstStyle/>
           <a:p>
+            <a:r>
+              <a:rPr lang="en-US" dirty="0" smtClean="0"/>
+              <a:t>Overview research workflow/layout</a:t>
+            </a:r>
+          </a:p>
+          <a:p>
+            <a:r>
+              <a:rPr lang="en-US" dirty="0" smtClean="0"/>
+              <a:t>Five subsections in depth</a:t>
+            </a:r>
+          </a:p>
+          <a:p>
+            <a:pPr lvl="1"/>
+            <a:r>
+              <a:rPr lang="en-US" dirty="0" smtClean="0"/>
+              <a:t>Evaluation of dental caries</a:t>
+            </a:r>
+          </a:p>
+          <a:p>
+            <a:pPr lvl="1"/>
+            <a:r>
+              <a:rPr lang="en-US" dirty="0" smtClean="0"/>
+              <a:t>Evaluation of fissure sealant</a:t>
+            </a:r>
+          </a:p>
+          <a:p>
+            <a:pPr lvl="1"/>
+            <a:r>
+              <a:rPr lang="en-US" dirty="0" smtClean="0"/>
+              <a:t>Systematic monitoring and screening</a:t>
+            </a:r>
+          </a:p>
+          <a:p>
+            <a:pPr lvl="1"/>
+            <a:r>
+              <a:rPr lang="en-US" dirty="0" smtClean="0"/>
+              <a:t>Early prevention of periodontal diseases (in children)</a:t>
+            </a:r>
+          </a:p>
+          <a:p>
+            <a:pPr lvl="1"/>
+            <a:r>
+              <a:rPr lang="en-US" dirty="0" smtClean="0"/>
+              <a:t>Establishing early prevention protocol</a:t>
+            </a:r>
             <a:endParaRPr lang="en-US" dirty="0"/>
           </a:p>
         </p:txBody>
@@ -3518,7 +4276,408 @@
     </p:spTree>
     <p:extLst>
       <p:ext uri="{BB962C8B-B14F-4D97-AF65-F5344CB8AC3E}">
-        <p14:creationId xmlns:p14="http://schemas.microsoft.com/office/powerpoint/2010/main" val="3455166353"/>
+        <p14:creationId xmlns:p14="http://schemas.microsoft.com/office/powerpoint/2010/main" val="3540007463"/>
+      </p:ext>
+    </p:extLst>
+  </p:cSld>
+  <p:clrMapOvr>
+    <a:masterClrMapping/>
+  </p:clrMapOvr>
+</p:sld>
+</file>
+
+<file path=ppt/slides/slide6.xml><?xml version="1.0" encoding="utf-8"?>
+<p:sld xmlns:a="http://schemas.openxmlformats.org/drawingml/2006/main" xmlns:r="http://schemas.openxmlformats.org/officeDocument/2006/relationships" xmlns:p="http://schemas.openxmlformats.org/presentationml/2006/main">
+  <p:cSld>
+    <p:spTree>
+      <p:nvGrpSpPr>
+        <p:cNvPr id="1" name=""/>
+        <p:cNvGrpSpPr/>
+        <p:nvPr/>
+      </p:nvGrpSpPr>
+      <p:grpSpPr>
+        <a:xfrm>
+          <a:off x="0" y="0"/>
+          <a:ext cx="0" cy="0"/>
+          <a:chOff x="0" y="0"/>
+          <a:chExt cx="0" cy="0"/>
+        </a:xfrm>
+      </p:grpSpPr>
+      <p:sp>
+        <p:nvSpPr>
+          <p:cNvPr id="2" name="Title 1"/>
+          <p:cNvSpPr>
+            <a:spLocks noGrp="1"/>
+          </p:cNvSpPr>
+          <p:nvPr>
+            <p:ph type="title"/>
+          </p:nvPr>
+        </p:nvSpPr>
+        <p:spPr/>
+        <p:txBody>
+          <a:bodyPr/>
+          <a:lstStyle/>
+          <a:p>
+            <a:endParaRPr lang="en-US"/>
+          </a:p>
+        </p:txBody>
+      </p:sp>
+      <p:sp>
+        <p:nvSpPr>
+          <p:cNvPr id="3" name="Content Placeholder 2"/>
+          <p:cNvSpPr>
+            <a:spLocks noGrp="1"/>
+          </p:cNvSpPr>
+          <p:nvPr>
+            <p:ph idx="1"/>
+          </p:nvPr>
+        </p:nvSpPr>
+        <p:spPr/>
+        <p:txBody>
+          <a:bodyPr/>
+          <a:lstStyle/>
+          <a:p>
+            <a:endParaRPr lang="en-US" dirty="0"/>
+          </a:p>
+        </p:txBody>
+      </p:sp>
+    </p:spTree>
+    <p:extLst>
+      <p:ext uri="{BB962C8B-B14F-4D97-AF65-F5344CB8AC3E}">
+        <p14:creationId xmlns:p14="http://schemas.microsoft.com/office/powerpoint/2010/main" val="2423834341"/>
+      </p:ext>
+    </p:extLst>
+  </p:cSld>
+  <p:clrMapOvr>
+    <a:masterClrMapping/>
+  </p:clrMapOvr>
+</p:sld>
+</file>
+
+<file path=ppt/slides/slide7.xml><?xml version="1.0" encoding="utf-8"?>
+<p:sld xmlns:a="http://schemas.openxmlformats.org/drawingml/2006/main" xmlns:r="http://schemas.openxmlformats.org/officeDocument/2006/relationships" xmlns:p="http://schemas.openxmlformats.org/presentationml/2006/main">
+  <p:cSld>
+    <p:spTree>
+      <p:nvGrpSpPr>
+        <p:cNvPr id="1" name=""/>
+        <p:cNvGrpSpPr/>
+        <p:nvPr/>
+      </p:nvGrpSpPr>
+      <p:grpSpPr>
+        <a:xfrm>
+          <a:off x="0" y="0"/>
+          <a:ext cx="0" cy="0"/>
+          <a:chOff x="0" y="0"/>
+          <a:chExt cx="0" cy="0"/>
+        </a:xfrm>
+      </p:grpSpPr>
+      <p:sp>
+        <p:nvSpPr>
+          <p:cNvPr id="2" name="Title 1"/>
+          <p:cNvSpPr>
+            <a:spLocks noGrp="1"/>
+          </p:cNvSpPr>
+          <p:nvPr>
+            <p:ph type="title"/>
+          </p:nvPr>
+        </p:nvSpPr>
+        <p:spPr/>
+        <p:txBody>
+          <a:bodyPr>
+            <a:normAutofit/>
+          </a:bodyPr>
+          <a:lstStyle/>
+          <a:p>
+            <a:r>
+              <a:rPr lang="en-US" dirty="0" smtClean="0"/>
+              <a:t>What </a:t>
+            </a:r>
+            <a:r>
+              <a:rPr lang="en-US" dirty="0" smtClean="0"/>
+              <a:t>could have been done</a:t>
+            </a:r>
+            <a:endParaRPr lang="en-US" dirty="0"/>
+          </a:p>
+        </p:txBody>
+      </p:sp>
+      <p:sp>
+        <p:nvSpPr>
+          <p:cNvPr id="3" name="Content Placeholder 2"/>
+          <p:cNvSpPr>
+            <a:spLocks noGrp="1"/>
+          </p:cNvSpPr>
+          <p:nvPr>
+            <p:ph idx="1"/>
+          </p:nvPr>
+        </p:nvSpPr>
+        <p:spPr/>
+        <p:txBody>
+          <a:bodyPr/>
+          <a:lstStyle/>
+          <a:p>
+            <a:r>
+              <a:rPr lang="en-US" dirty="0" smtClean="0"/>
+              <a:t>Evaluation of the implementation of fissures sealant project (2005 -2012)</a:t>
+            </a:r>
+            <a:endParaRPr lang="en-US" dirty="0" smtClean="0"/>
+          </a:p>
+          <a:p>
+            <a:r>
+              <a:rPr lang="en-US" dirty="0" smtClean="0"/>
+              <a:t>Effectiveness on prevention of dental caries</a:t>
+            </a:r>
+          </a:p>
+          <a:p>
+            <a:pPr lvl="1"/>
+            <a:r>
+              <a:rPr lang="en-US" dirty="0" smtClean="0"/>
+              <a:t>Oral health examination</a:t>
+            </a:r>
+          </a:p>
+          <a:p>
+            <a:pPr lvl="1"/>
+            <a:r>
+              <a:rPr lang="en-US" dirty="0" smtClean="0"/>
+              <a:t>Survey questionnaires</a:t>
+            </a:r>
+          </a:p>
+          <a:p>
+            <a:r>
+              <a:rPr lang="en-US" dirty="0" smtClean="0"/>
+              <a:t>Satisfactory </a:t>
+            </a:r>
+            <a:r>
+              <a:rPr lang="en-US" dirty="0" smtClean="0"/>
+              <a:t>study</a:t>
+            </a:r>
+          </a:p>
+          <a:p>
+            <a:r>
+              <a:rPr lang="en-US" dirty="0" smtClean="0"/>
+              <a:t>Clinical evaluation of effectiveness</a:t>
+            </a:r>
+          </a:p>
+          <a:p>
+            <a:r>
+              <a:rPr lang="en-US" dirty="0" smtClean="0"/>
+              <a:t>Public standard protocol/practice</a:t>
+            </a:r>
+            <a:endParaRPr lang="en-US" dirty="0"/>
+          </a:p>
+        </p:txBody>
+      </p:sp>
+    </p:spTree>
+    <p:extLst>
+      <p:ext uri="{BB962C8B-B14F-4D97-AF65-F5344CB8AC3E}">
+        <p14:creationId xmlns:p14="http://schemas.microsoft.com/office/powerpoint/2010/main" val="4159116728"/>
+      </p:ext>
+    </p:extLst>
+  </p:cSld>
+  <p:clrMapOvr>
+    <a:masterClrMapping/>
+  </p:clrMapOvr>
+</p:sld>
+</file>
+
+<file path=ppt/slides/slide8.xml><?xml version="1.0" encoding="utf-8"?>
+<p:sld xmlns:a="http://schemas.openxmlformats.org/drawingml/2006/main" xmlns:r="http://schemas.openxmlformats.org/officeDocument/2006/relationships" xmlns:p="http://schemas.openxmlformats.org/presentationml/2006/main">
+  <p:cSld>
+    <p:spTree>
+      <p:nvGrpSpPr>
+        <p:cNvPr id="1" name=""/>
+        <p:cNvGrpSpPr/>
+        <p:nvPr/>
+      </p:nvGrpSpPr>
+      <p:grpSpPr>
+        <a:xfrm>
+          <a:off x="0" y="0"/>
+          <a:ext cx="0" cy="0"/>
+          <a:chOff x="0" y="0"/>
+          <a:chExt cx="0" cy="0"/>
+        </a:xfrm>
+      </p:grpSpPr>
+      <p:sp>
+        <p:nvSpPr>
+          <p:cNvPr id="2" name="Title 1"/>
+          <p:cNvSpPr>
+            <a:spLocks noGrp="1"/>
+          </p:cNvSpPr>
+          <p:nvPr>
+            <p:ph type="title"/>
+          </p:nvPr>
+        </p:nvSpPr>
+        <p:spPr/>
+        <p:txBody>
+          <a:bodyPr/>
+          <a:lstStyle/>
+          <a:p>
+            <a:r>
+              <a:rPr lang="en-US" dirty="0" smtClean="0"/>
+              <a:t>What more could be done</a:t>
+            </a:r>
+            <a:endParaRPr lang="en-US" dirty="0"/>
+          </a:p>
+        </p:txBody>
+      </p:sp>
+      <p:sp>
+        <p:nvSpPr>
+          <p:cNvPr id="3" name="Content Placeholder 2"/>
+          <p:cNvSpPr>
+            <a:spLocks noGrp="1"/>
+          </p:cNvSpPr>
+          <p:nvPr>
+            <p:ph idx="1"/>
+          </p:nvPr>
+        </p:nvSpPr>
+        <p:spPr/>
+        <p:txBody>
+          <a:bodyPr/>
+          <a:lstStyle/>
+          <a:p>
+            <a:r>
+              <a:rPr lang="en-US" dirty="0" smtClean="0"/>
+              <a:t>Increase the health service value</a:t>
+            </a:r>
+          </a:p>
+          <a:p>
+            <a:r>
+              <a:rPr lang="en-US" dirty="0" smtClean="0"/>
+              <a:t>Educating the patients</a:t>
+            </a:r>
+          </a:p>
+          <a:p>
+            <a:r>
+              <a:rPr lang="en-US" dirty="0" smtClean="0"/>
+              <a:t>Value in public heath</a:t>
+            </a:r>
+          </a:p>
+          <a:p>
+            <a:r>
+              <a:rPr lang="en-US" dirty="0" smtClean="0"/>
+              <a:t>Preventive dentistry</a:t>
+            </a:r>
+          </a:p>
+          <a:p>
+            <a:r>
+              <a:rPr lang="en-US" dirty="0" smtClean="0"/>
+              <a:t>Mouse microbial profiling</a:t>
+            </a:r>
+          </a:p>
+          <a:p>
+            <a:r>
+              <a:rPr lang="en-US" dirty="0" smtClean="0"/>
+              <a:t>Health economy study</a:t>
+            </a:r>
+          </a:p>
+          <a:p>
+            <a:r>
+              <a:rPr lang="en-US" dirty="0"/>
+              <a:t>plaque index</a:t>
+            </a:r>
+            <a:r>
+              <a:rPr lang="zh-CN" altLang="en-US" dirty="0"/>
+              <a:t>，</a:t>
+            </a:r>
+            <a:r>
+              <a:rPr lang="en-US" dirty="0"/>
+              <a:t>PLI</a:t>
+            </a:r>
+            <a:endParaRPr lang="en-US" dirty="0" smtClean="0"/>
+          </a:p>
+        </p:txBody>
+      </p:sp>
+    </p:spTree>
+    <p:extLst>
+      <p:ext uri="{BB962C8B-B14F-4D97-AF65-F5344CB8AC3E}">
+        <p14:creationId xmlns:p14="http://schemas.microsoft.com/office/powerpoint/2010/main" val="2456971648"/>
+      </p:ext>
+    </p:extLst>
+  </p:cSld>
+  <p:clrMapOvr>
+    <a:masterClrMapping/>
+  </p:clrMapOvr>
+</p:sld>
+</file>
+
+<file path=ppt/slides/slide9.xml><?xml version="1.0" encoding="utf-8"?>
+<p:sld xmlns:a="http://schemas.openxmlformats.org/drawingml/2006/main" xmlns:r="http://schemas.openxmlformats.org/officeDocument/2006/relationships" xmlns:p="http://schemas.openxmlformats.org/presentationml/2006/main">
+  <p:cSld>
+    <p:spTree>
+      <p:nvGrpSpPr>
+        <p:cNvPr id="1" name=""/>
+        <p:cNvGrpSpPr/>
+        <p:nvPr/>
+      </p:nvGrpSpPr>
+      <p:grpSpPr>
+        <a:xfrm>
+          <a:off x="0" y="0"/>
+          <a:ext cx="0" cy="0"/>
+          <a:chOff x="0" y="0"/>
+          <a:chExt cx="0" cy="0"/>
+        </a:xfrm>
+      </p:grpSpPr>
+      <p:sp>
+        <p:nvSpPr>
+          <p:cNvPr id="2" name="Title 1"/>
+          <p:cNvSpPr>
+            <a:spLocks noGrp="1"/>
+          </p:cNvSpPr>
+          <p:nvPr>
+            <p:ph type="title"/>
+          </p:nvPr>
+        </p:nvSpPr>
+        <p:spPr/>
+        <p:txBody>
+          <a:bodyPr/>
+          <a:lstStyle/>
+          <a:p>
+            <a:r>
+              <a:rPr lang="en-US" dirty="0" smtClean="0"/>
+              <a:t>Yesterday, now, and future</a:t>
+            </a:r>
+            <a:endParaRPr lang="en-US" dirty="0"/>
+          </a:p>
+        </p:txBody>
+      </p:sp>
+      <p:sp>
+        <p:nvSpPr>
+          <p:cNvPr id="3" name="Content Placeholder 2"/>
+          <p:cNvSpPr>
+            <a:spLocks noGrp="1"/>
+          </p:cNvSpPr>
+          <p:nvPr>
+            <p:ph idx="1"/>
+          </p:nvPr>
+        </p:nvSpPr>
+        <p:spPr/>
+        <p:txBody>
+          <a:bodyPr/>
+          <a:lstStyle/>
+          <a:p>
+            <a:r>
+              <a:rPr lang="en-US" dirty="0" smtClean="0"/>
+              <a:t>Effectiveness </a:t>
+            </a:r>
+          </a:p>
+          <a:p>
+            <a:r>
+              <a:rPr lang="en-US" dirty="0" smtClean="0"/>
+              <a:t>Enhancing retention</a:t>
+            </a:r>
+          </a:p>
+          <a:p>
+            <a:r>
+              <a:rPr lang="en-US" dirty="0" smtClean="0"/>
+              <a:t>Longevity </a:t>
+            </a:r>
+            <a:endParaRPr lang="en-US" dirty="0"/>
+          </a:p>
+        </p:txBody>
+      </p:sp>
+    </p:spTree>
+    <p:extLst>
+      <p:ext uri="{BB962C8B-B14F-4D97-AF65-F5344CB8AC3E}">
+        <p14:creationId xmlns:p14="http://schemas.microsoft.com/office/powerpoint/2010/main" val="1872875181"/>
       </p:ext>
     </p:extLst>
   </p:cSld>
